--- a/Project_info.pptx
+++ b/Project_info.pptx
@@ -259,7 +259,7 @@
           <a:p>
             <a:fld id="{912C17D2-0F9E-4B9D-8731-D7F77BE6ABA2}" type="datetimeFigureOut">
               <a:rPr lang="en-US" smtClean="0"/>
-              <a:t>7/6/2025</a:t>
+              <a:t>7/12/2025</a:t>
             </a:fld>
             <a:endParaRPr lang="en-US"/>
           </a:p>
@@ -457,7 +457,7 @@
           <a:p>
             <a:fld id="{912C17D2-0F9E-4B9D-8731-D7F77BE6ABA2}" type="datetimeFigureOut">
               <a:rPr lang="en-US" smtClean="0"/>
-              <a:t>7/6/2025</a:t>
+              <a:t>7/12/2025</a:t>
             </a:fld>
             <a:endParaRPr lang="en-US"/>
           </a:p>
@@ -665,7 +665,7 @@
           <a:p>
             <a:fld id="{912C17D2-0F9E-4B9D-8731-D7F77BE6ABA2}" type="datetimeFigureOut">
               <a:rPr lang="en-US" smtClean="0"/>
-              <a:t>7/6/2025</a:t>
+              <a:t>7/12/2025</a:t>
             </a:fld>
             <a:endParaRPr lang="en-US"/>
           </a:p>
@@ -863,7 +863,7 @@
           <a:p>
             <a:fld id="{912C17D2-0F9E-4B9D-8731-D7F77BE6ABA2}" type="datetimeFigureOut">
               <a:rPr lang="en-US" smtClean="0"/>
-              <a:t>7/6/2025</a:t>
+              <a:t>7/12/2025</a:t>
             </a:fld>
             <a:endParaRPr lang="en-US"/>
           </a:p>
@@ -1138,7 +1138,7 @@
           <a:p>
             <a:fld id="{912C17D2-0F9E-4B9D-8731-D7F77BE6ABA2}" type="datetimeFigureOut">
               <a:rPr lang="en-US" smtClean="0"/>
-              <a:t>7/6/2025</a:t>
+              <a:t>7/12/2025</a:t>
             </a:fld>
             <a:endParaRPr lang="en-US"/>
           </a:p>
@@ -1403,7 +1403,7 @@
           <a:p>
             <a:fld id="{912C17D2-0F9E-4B9D-8731-D7F77BE6ABA2}" type="datetimeFigureOut">
               <a:rPr lang="en-US" smtClean="0"/>
-              <a:t>7/6/2025</a:t>
+              <a:t>7/12/2025</a:t>
             </a:fld>
             <a:endParaRPr lang="en-US"/>
           </a:p>
@@ -1815,7 +1815,7 @@
           <a:p>
             <a:fld id="{912C17D2-0F9E-4B9D-8731-D7F77BE6ABA2}" type="datetimeFigureOut">
               <a:rPr lang="en-US" smtClean="0"/>
-              <a:t>7/6/2025</a:t>
+              <a:t>7/12/2025</a:t>
             </a:fld>
             <a:endParaRPr lang="en-US"/>
           </a:p>
@@ -1956,7 +1956,7 @@
           <a:p>
             <a:fld id="{912C17D2-0F9E-4B9D-8731-D7F77BE6ABA2}" type="datetimeFigureOut">
               <a:rPr lang="en-US" smtClean="0"/>
-              <a:t>7/6/2025</a:t>
+              <a:t>7/12/2025</a:t>
             </a:fld>
             <a:endParaRPr lang="en-US"/>
           </a:p>
@@ -2069,7 +2069,7 @@
           <a:p>
             <a:fld id="{912C17D2-0F9E-4B9D-8731-D7F77BE6ABA2}" type="datetimeFigureOut">
               <a:rPr lang="en-US" smtClean="0"/>
-              <a:t>7/6/2025</a:t>
+              <a:t>7/12/2025</a:t>
             </a:fld>
             <a:endParaRPr lang="en-US"/>
           </a:p>
@@ -2380,7 +2380,7 @@
           <a:p>
             <a:fld id="{912C17D2-0F9E-4B9D-8731-D7F77BE6ABA2}" type="datetimeFigureOut">
               <a:rPr lang="en-US" smtClean="0"/>
-              <a:t>7/6/2025</a:t>
+              <a:t>7/12/2025</a:t>
             </a:fld>
             <a:endParaRPr lang="en-US"/>
           </a:p>
@@ -2668,7 +2668,7 @@
           <a:p>
             <a:fld id="{912C17D2-0F9E-4B9D-8731-D7F77BE6ABA2}" type="datetimeFigureOut">
               <a:rPr lang="en-US" smtClean="0"/>
-              <a:t>7/6/2025</a:t>
+              <a:t>7/12/2025</a:t>
             </a:fld>
             <a:endParaRPr lang="en-US"/>
           </a:p>
@@ -2909,7 +2909,7 @@
           <a:p>
             <a:fld id="{912C17D2-0F9E-4B9D-8731-D7F77BE6ABA2}" type="datetimeFigureOut">
               <a:rPr lang="en-US" smtClean="0"/>
-              <a:t>7/6/2025</a:t>
+              <a:t>7/12/2025</a:t>
             </a:fld>
             <a:endParaRPr lang="en-US"/>
           </a:p>
@@ -3377,14 +3377,14 @@
           <p:nvPr>
             <p:extLst>
               <p:ext uri="{D42A27DB-BD31-4B8C-83A1-F6EECF244321}">
-                <p14:modId xmlns:p14="http://schemas.microsoft.com/office/powerpoint/2010/main" val="3230959985"/>
+                <p14:modId xmlns:p14="http://schemas.microsoft.com/office/powerpoint/2010/main" val="855138831"/>
               </p:ext>
             </p:extLst>
           </p:nvPr>
         </p:nvGraphicFramePr>
         <p:xfrm>
-          <a:off x="160256" y="642709"/>
-          <a:ext cx="9643621" cy="370840"/>
+          <a:off x="160255" y="642709"/>
+          <a:ext cx="10299197" cy="370840"/>
         </p:xfrm>
         <a:graphic>
           <a:graphicData uri="http://schemas.openxmlformats.org/drawingml/2006/table">
@@ -3393,49 +3393,49 @@
                 <a:tableStyleId>{5C22544A-7EE6-4342-B048-85BDC9FD1C3A}</a:tableStyleId>
               </a:tblPr>
               <a:tblGrid>
-                <a:gridCol w="772998">
+                <a:gridCol w="825547">
                   <a:extLst>
                     <a:ext uri="{9D8B030D-6E8A-4147-A177-3AD203B41FA5}">
                       <a16:colId xmlns:a16="http://schemas.microsoft.com/office/drawing/2014/main" val="3367518812"/>
                     </a:ext>
                   </a:extLst>
                 </a:gridCol>
-                <a:gridCol w="678730">
+                <a:gridCol w="724870">
                   <a:extLst>
                     <a:ext uri="{9D8B030D-6E8A-4147-A177-3AD203B41FA5}">
                       <a16:colId xmlns:a16="http://schemas.microsoft.com/office/drawing/2014/main" val="2448407188"/>
                     </a:ext>
                   </a:extLst>
                 </a:gridCol>
-                <a:gridCol w="1904214">
+                <a:gridCol w="1610044">
                   <a:extLst>
                     <a:ext uri="{9D8B030D-6E8A-4147-A177-3AD203B41FA5}">
                       <a16:colId xmlns:a16="http://schemas.microsoft.com/office/drawing/2014/main" val="4092926861"/>
                     </a:ext>
                   </a:extLst>
                 </a:gridCol>
-                <a:gridCol w="1442301">
+                <a:gridCol w="1716505">
                   <a:extLst>
                     <a:ext uri="{9D8B030D-6E8A-4147-A177-3AD203B41FA5}">
                       <a16:colId xmlns:a16="http://schemas.microsoft.com/office/drawing/2014/main" val="3585630833"/>
                     </a:ext>
                   </a:extLst>
                 </a:gridCol>
-                <a:gridCol w="1734532">
+                <a:gridCol w="2099909">
                   <a:extLst>
                     <a:ext uri="{9D8B030D-6E8A-4147-A177-3AD203B41FA5}">
                       <a16:colId xmlns:a16="http://schemas.microsoft.com/office/drawing/2014/main" val="3288624412"/>
                     </a:ext>
                   </a:extLst>
                 </a:gridCol>
-                <a:gridCol w="1602557">
+                <a:gridCol w="1711499">
                   <a:extLst>
                     <a:ext uri="{9D8B030D-6E8A-4147-A177-3AD203B41FA5}">
                       <a16:colId xmlns:a16="http://schemas.microsoft.com/office/drawing/2014/main" val="147683317"/>
                     </a:ext>
                   </a:extLst>
                 </a:gridCol>
-                <a:gridCol w="1508289">
+                <a:gridCol w="1610823">
                   <a:extLst>
                     <a:ext uri="{9D8B030D-6E8A-4147-A177-3AD203B41FA5}">
                       <a16:colId xmlns:a16="http://schemas.microsoft.com/office/drawing/2014/main" val="3831024848"/>
@@ -3507,7 +3507,7 @@
                     <a:p>
                       <a:r>
                         <a:rPr lang="en-US" sz="1600" dirty="0" err="1"/>
-                        <a:t>Wind_speed_kmh</a:t>
+                        <a:t>Wind_speed_km_h</a:t>
                       </a:r>
                       <a:endParaRPr lang="en-US" sz="1600" dirty="0"/>
                     </a:p>
@@ -3521,7 +3521,7 @@
                     <a:p>
                       <a:r>
                         <a:rPr lang="en-US" sz="1600" dirty="0" err="1"/>
-                        <a:t>Wind_speed_ms</a:t>
+                        <a:t>Wind_speed_m_s</a:t>
                       </a:r>
                       <a:endParaRPr lang="en-US" sz="1600" dirty="0"/>
                     </a:p>
@@ -3533,6 +3533,10 @@
                     <a:bodyPr/>
                     <a:lstStyle/>
                     <a:p>
+                      <a:r>
+                        <a:rPr lang="en-US" sz="1600" dirty="0" err="1"/>
+                        <a:t>Weather_code</a:t>
+                      </a:r>
                       <a:endParaRPr lang="en-US" sz="1600" dirty="0"/>
                     </a:p>
                   </a:txBody>
